--- a/ICE Proposal Wireframes v6.pptx
+++ b/ICE Proposal Wireframes v6.pptx
@@ -5,7 +5,7 @@
     <p:sldMasterId id="2147483648" r:id="rId1"/>
   </p:sldMasterIdLst>
   <p:notesMasterIdLst>
-    <p:notesMasterId r:id="rId12"/>
+    <p:notesMasterId r:id="rId13"/>
   </p:notesMasterIdLst>
   <p:sldIdLst>
     <p:sldId id="256" r:id="rId2"/>
@@ -18,6 +18,7 @@
     <p:sldId id="283" r:id="rId9"/>
     <p:sldId id="284" r:id="rId10"/>
     <p:sldId id="286" r:id="rId11"/>
+    <p:sldId id="287" r:id="rId12"/>
   </p:sldIdLst>
   <p:sldSz cx="12192000" cy="6858000"/>
   <p:notesSz cx="6858000" cy="9144000"/>
@@ -135,6 +136,7 @@
             <p14:sldId id="283"/>
             <p14:sldId id="284"/>
             <p14:sldId id="286"/>
+            <p14:sldId id="287"/>
           </p14:sldIdLst>
         </p14:section>
       </p14:sectionLst>
@@ -1052,6 +1054,90 @@
     <p:extLst>
       <p:ext uri="{BB962C8B-B14F-4D97-AF65-F5344CB8AC3E}">
         <p14:creationId xmlns:p14="http://schemas.microsoft.com/office/powerpoint/2010/main" val="3550836051"/>
+      </p:ext>
+    </p:extLst>
+  </p:cSld>
+  <p:clrMapOvr>
+    <a:masterClrMapping/>
+  </p:clrMapOvr>
+</p:notes>
+</file>
+
+<file path=ppt/notesSlides/notesSlide7.xml><?xml version="1.0" encoding="utf-8"?>
+<p:notes xmlns:a="http://schemas.openxmlformats.org/drawingml/2006/main" xmlns:r="http://schemas.openxmlformats.org/officeDocument/2006/relationships" xmlns:p="http://schemas.openxmlformats.org/presentationml/2006/main">
+  <p:cSld>
+    <p:spTree>
+      <p:nvGrpSpPr>
+        <p:cNvPr id="1" name=""/>
+        <p:cNvGrpSpPr/>
+        <p:nvPr/>
+      </p:nvGrpSpPr>
+      <p:grpSpPr>
+        <a:xfrm>
+          <a:off x="0" y="0"/>
+          <a:ext cx="0" cy="0"/>
+          <a:chOff x="0" y="0"/>
+          <a:chExt cx="0" cy="0"/>
+        </a:xfrm>
+      </p:grpSpPr>
+      <p:sp>
+        <p:nvSpPr>
+          <p:cNvPr id="2" name="Slide Image Placeholder 1"/>
+          <p:cNvSpPr>
+            <a:spLocks noGrp="1" noRot="1" noChangeAspect="1"/>
+          </p:cNvSpPr>
+          <p:nvPr>
+            <p:ph type="sldImg"/>
+          </p:nvPr>
+        </p:nvSpPr>
+        <p:spPr/>
+      </p:sp>
+      <p:sp>
+        <p:nvSpPr>
+          <p:cNvPr id="3" name="Notes Placeholder 2"/>
+          <p:cNvSpPr>
+            <a:spLocks noGrp="1"/>
+          </p:cNvSpPr>
+          <p:nvPr>
+            <p:ph type="body" idx="1"/>
+          </p:nvPr>
+        </p:nvSpPr>
+        <p:spPr/>
+        <p:txBody>
+          <a:bodyPr/>
+          <a:lstStyle/>
+          <a:p>
+            <a:endParaRPr lang="en-US" dirty="0"/>
+          </a:p>
+        </p:txBody>
+      </p:sp>
+      <p:sp>
+        <p:nvSpPr>
+          <p:cNvPr id="4" name="Slide Number Placeholder 3"/>
+          <p:cNvSpPr>
+            <a:spLocks noGrp="1"/>
+          </p:cNvSpPr>
+          <p:nvPr>
+            <p:ph type="sldNum" sz="quarter" idx="10"/>
+          </p:nvPr>
+        </p:nvSpPr>
+        <p:spPr/>
+        <p:txBody>
+          <a:bodyPr/>
+          <a:lstStyle/>
+          <a:p>
+            <a:fld id="{E321929A-58E9-42AB-9475-A7EFD8AC05B5}" type="slidenum">
+              <a:rPr lang="en-US" smtClean="0"/>
+              <a:t>11</a:t>
+            </a:fld>
+            <a:endParaRPr lang="en-US"/>
+          </a:p>
+        </p:txBody>
+      </p:sp>
+    </p:spTree>
+    <p:extLst>
+      <p:ext uri="{BB962C8B-B14F-4D97-AF65-F5344CB8AC3E}">
+        <p14:creationId xmlns:p14="http://schemas.microsoft.com/office/powerpoint/2010/main" val="508164708"/>
       </p:ext>
     </p:extLst>
   </p:cSld>
@@ -4713,7 +4799,7 @@
                 <a:latin typeface="Arial" panose="020B0604020202020204" pitchFamily="34" charset="0"/>
                 <a:cs typeface="Arial" panose="020B0604020202020204" pitchFamily="34" charset="0"/>
               </a:rPr>
-              <a:t>Shown Below is System Administrator: Destination After Login, Update Existing User Info</a:t>
+              <a:t>Shown Below is System Administrator: Destination After Login, Edit Skills or Training</a:t>
             </a:r>
           </a:p>
         </p:txBody>
@@ -5397,10 +5483,1365 @@
           </a:p>
         </p:txBody>
       </p:sp>
+      <p:sp>
+        <p:nvSpPr>
+          <p:cNvPr id="57" name="TextBox 56">
+            <a:extLst>
+              <a:ext uri="{FF2B5EF4-FFF2-40B4-BE49-F238E27FC236}">
+                <a16:creationId xmlns:a16="http://schemas.microsoft.com/office/drawing/2014/main" id="{375410E3-5C0F-3141-8E3C-28054232E1B7}"/>
+              </a:ext>
+            </a:extLst>
+          </p:cNvPr>
+          <p:cNvSpPr txBox="1"/>
+          <p:nvPr/>
+        </p:nvSpPr>
+        <p:spPr>
+          <a:xfrm>
+            <a:off x="2940092" y="3981832"/>
+            <a:ext cx="344585" cy="253916"/>
+          </a:xfrm>
+          <a:prstGeom prst="rect">
+            <a:avLst/>
+          </a:prstGeom>
+          <a:noFill/>
+          <a:ln>
+            <a:solidFill>
+              <a:schemeClr val="tx1"/>
+            </a:solidFill>
+          </a:ln>
+        </p:spPr>
+        <p:txBody>
+          <a:bodyPr wrap="square" rtlCol="0">
+            <a:spAutoFit/>
+          </a:bodyPr>
+          <a:lstStyle/>
+          <a:p>
+            <a:pPr algn="ctr"/>
+            <a:r>
+              <a:rPr lang="en-US" sz="1000" b="1" dirty="0">
+                <a:latin typeface="Arial" panose="020B0604020202020204" pitchFamily="34" charset="0"/>
+                <a:cs typeface="Arial" panose="020B0604020202020204" pitchFamily="34" charset="0"/>
+              </a:rPr>
+              <a:t>+</a:t>
+            </a:r>
+          </a:p>
+        </p:txBody>
+      </p:sp>
+      <p:sp>
+        <p:nvSpPr>
+          <p:cNvPr id="58" name="TextBox 57">
+            <a:extLst>
+              <a:ext uri="{FF2B5EF4-FFF2-40B4-BE49-F238E27FC236}">
+                <a16:creationId xmlns:a16="http://schemas.microsoft.com/office/drawing/2014/main" id="{08B7019E-7001-D94D-889D-3C50AA58240B}"/>
+              </a:ext>
+            </a:extLst>
+          </p:cNvPr>
+          <p:cNvSpPr txBox="1"/>
+          <p:nvPr/>
+        </p:nvSpPr>
+        <p:spPr>
+          <a:xfrm>
+            <a:off x="3339491" y="3981832"/>
+            <a:ext cx="344585" cy="253916"/>
+          </a:xfrm>
+          <a:prstGeom prst="rect">
+            <a:avLst/>
+          </a:prstGeom>
+          <a:noFill/>
+          <a:ln>
+            <a:solidFill>
+              <a:schemeClr val="tx1"/>
+            </a:solidFill>
+          </a:ln>
+        </p:spPr>
+        <p:txBody>
+          <a:bodyPr wrap="square" rtlCol="0">
+            <a:spAutoFit/>
+          </a:bodyPr>
+          <a:lstStyle/>
+          <a:p>
+            <a:pPr algn="ctr"/>
+            <a:r>
+              <a:rPr lang="en-US" sz="1000" b="1" dirty="0">
+                <a:latin typeface="Arial" panose="020B0604020202020204" pitchFamily="34" charset="0"/>
+                <a:cs typeface="Arial" panose="020B0604020202020204" pitchFamily="34" charset="0"/>
+              </a:rPr>
+              <a:t>-</a:t>
+            </a:r>
+          </a:p>
+        </p:txBody>
+      </p:sp>
+      <p:sp>
+        <p:nvSpPr>
+          <p:cNvPr id="60" name="Rounded Rectangular Callout 59">
+            <a:extLst>
+              <a:ext uri="{FF2B5EF4-FFF2-40B4-BE49-F238E27FC236}">
+                <a16:creationId xmlns:a16="http://schemas.microsoft.com/office/drawing/2014/main" id="{7617DAF2-0C4D-4C47-9CB7-21CE9205D95C}"/>
+              </a:ext>
+            </a:extLst>
+          </p:cNvPr>
+          <p:cNvSpPr/>
+          <p:nvPr/>
+        </p:nvSpPr>
+        <p:spPr>
+          <a:xfrm>
+            <a:off x="4340667" y="4754498"/>
+            <a:ext cx="3002322" cy="1236688"/>
+          </a:xfrm>
+          <a:prstGeom prst="wedgeRoundRectCallout">
+            <a:avLst>
+              <a:gd name="adj1" fmla="val -69453"/>
+              <a:gd name="adj2" fmla="val -91895"/>
+              <a:gd name="adj3" fmla="val 16667"/>
+            </a:avLst>
+          </a:prstGeom>
+          <a:solidFill>
+            <a:srgbClr val="00B050"/>
+          </a:solidFill>
+          <a:ln>
+            <a:solidFill>
+              <a:srgbClr val="00B050"/>
+            </a:solidFill>
+          </a:ln>
+        </p:spPr>
+        <p:style>
+          <a:lnRef idx="2">
+            <a:schemeClr val="accent1">
+              <a:shade val="50000"/>
+            </a:schemeClr>
+          </a:lnRef>
+          <a:fillRef idx="1">
+            <a:schemeClr val="accent1"/>
+          </a:fillRef>
+          <a:effectRef idx="0">
+            <a:schemeClr val="accent1"/>
+          </a:effectRef>
+          <a:fontRef idx="minor">
+            <a:schemeClr val="lt1"/>
+          </a:fontRef>
+        </p:style>
+        <p:txBody>
+          <a:bodyPr rtlCol="0" anchor="ctr"/>
+          <a:lstStyle/>
+          <a:p>
+            <a:pPr algn="ctr"/>
+            <a:r>
+              <a:rPr lang="en-US" sz="1100" b="1" dirty="0"/>
+              <a:t>Click “+” to add table row.</a:t>
+            </a:r>
+          </a:p>
+          <a:p>
+            <a:pPr algn="ctr"/>
+            <a:r>
+              <a:rPr lang="en-US" sz="1100" b="1" dirty="0"/>
+              <a:t>Click “-” to disable (not remove) row.</a:t>
+            </a:r>
+          </a:p>
+          <a:p>
+            <a:pPr algn="ctr"/>
+            <a:r>
+              <a:rPr lang="en-US" sz="1100" b="1" dirty="0"/>
+              <a:t>Or edit text in table directly.</a:t>
+            </a:r>
+          </a:p>
+          <a:p>
+            <a:pPr algn="ctr"/>
+            <a:endParaRPr lang="en-US" sz="1100" b="1" dirty="0"/>
+          </a:p>
+        </p:txBody>
+      </p:sp>
+      <p:sp>
+        <p:nvSpPr>
+          <p:cNvPr id="63" name="Rectangle: Rounded Corners 58">
+            <a:extLst>
+              <a:ext uri="{FF2B5EF4-FFF2-40B4-BE49-F238E27FC236}">
+                <a16:creationId xmlns:a16="http://schemas.microsoft.com/office/drawing/2014/main" id="{80971C03-75A9-A44D-BFD5-68456E21178F}"/>
+              </a:ext>
+            </a:extLst>
+          </p:cNvPr>
+          <p:cNvSpPr/>
+          <p:nvPr/>
+        </p:nvSpPr>
+        <p:spPr>
+          <a:xfrm>
+            <a:off x="7940094" y="4144308"/>
+            <a:ext cx="548640" cy="182880"/>
+          </a:xfrm>
+          <a:prstGeom prst="roundRect">
+            <a:avLst>
+              <a:gd name="adj" fmla="val 4167"/>
+            </a:avLst>
+          </a:prstGeom>
+          <a:solidFill>
+            <a:schemeClr val="bg1">
+              <a:lumMod val="85000"/>
+            </a:schemeClr>
+          </a:solidFill>
+          <a:ln>
+            <a:solidFill>
+              <a:schemeClr val="tx1"/>
+            </a:solidFill>
+          </a:ln>
+        </p:spPr>
+        <p:style>
+          <a:lnRef idx="2">
+            <a:schemeClr val="accent1">
+              <a:shade val="50000"/>
+            </a:schemeClr>
+          </a:lnRef>
+          <a:fillRef idx="1">
+            <a:schemeClr val="accent1"/>
+          </a:fillRef>
+          <a:effectRef idx="0">
+            <a:schemeClr val="accent1"/>
+          </a:effectRef>
+          <a:fontRef idx="minor">
+            <a:schemeClr val="lt1"/>
+          </a:fontRef>
+        </p:style>
+        <p:txBody>
+          <a:bodyPr wrap="none" rtlCol="0" anchor="ctr"/>
+          <a:lstStyle/>
+          <a:p>
+            <a:pPr algn="ctr"/>
+            <a:r>
+              <a:rPr lang="en-US" sz="900" b="1" dirty="0">
+                <a:solidFill>
+                  <a:schemeClr val="tx1"/>
+                </a:solidFill>
+                <a:latin typeface="Arial" panose="020B0604020202020204" pitchFamily="34" charset="0"/>
+                <a:cs typeface="Arial" panose="020B0604020202020204" pitchFamily="34" charset="0"/>
+              </a:rPr>
+              <a:t>Cancel</a:t>
+            </a:r>
+          </a:p>
+        </p:txBody>
+      </p:sp>
+      <p:sp>
+        <p:nvSpPr>
+          <p:cNvPr id="64" name="Rectangle: Rounded Corners 61">
+            <a:extLst>
+              <a:ext uri="{FF2B5EF4-FFF2-40B4-BE49-F238E27FC236}">
+                <a16:creationId xmlns:a16="http://schemas.microsoft.com/office/drawing/2014/main" id="{A78DB9AF-D215-2C4F-9957-BAE00EEB5557}"/>
+              </a:ext>
+            </a:extLst>
+          </p:cNvPr>
+          <p:cNvSpPr/>
+          <p:nvPr/>
+        </p:nvSpPr>
+        <p:spPr>
+          <a:xfrm>
+            <a:off x="8562057" y="4144308"/>
+            <a:ext cx="548640" cy="182880"/>
+          </a:xfrm>
+          <a:prstGeom prst="roundRect">
+            <a:avLst>
+              <a:gd name="adj" fmla="val 4167"/>
+            </a:avLst>
+          </a:prstGeom>
+          <a:solidFill>
+            <a:schemeClr val="bg1">
+              <a:lumMod val="85000"/>
+            </a:schemeClr>
+          </a:solidFill>
+          <a:ln>
+            <a:solidFill>
+              <a:schemeClr val="tx1"/>
+            </a:solidFill>
+          </a:ln>
+        </p:spPr>
+        <p:style>
+          <a:lnRef idx="2">
+            <a:schemeClr val="accent1">
+              <a:shade val="50000"/>
+            </a:schemeClr>
+          </a:lnRef>
+          <a:fillRef idx="1">
+            <a:schemeClr val="accent1"/>
+          </a:fillRef>
+          <a:effectRef idx="0">
+            <a:schemeClr val="accent1"/>
+          </a:effectRef>
+          <a:fontRef idx="minor">
+            <a:schemeClr val="lt1"/>
+          </a:fontRef>
+        </p:style>
+        <p:txBody>
+          <a:bodyPr wrap="none" rtlCol="0" anchor="ctr"/>
+          <a:lstStyle/>
+          <a:p>
+            <a:pPr algn="ctr"/>
+            <a:r>
+              <a:rPr lang="en-US" sz="900" b="1" dirty="0">
+                <a:solidFill>
+                  <a:schemeClr val="tx1"/>
+                </a:solidFill>
+                <a:latin typeface="Arial" panose="020B0604020202020204" pitchFamily="34" charset="0"/>
+                <a:cs typeface="Arial" panose="020B0604020202020204" pitchFamily="34" charset="0"/>
+              </a:rPr>
+              <a:t>Save</a:t>
+            </a:r>
+          </a:p>
+        </p:txBody>
+      </p:sp>
     </p:spTree>
     <p:extLst>
       <p:ext uri="{BB962C8B-B14F-4D97-AF65-F5344CB8AC3E}">
         <p14:creationId xmlns:p14="http://schemas.microsoft.com/office/powerpoint/2010/main" val="1992921224"/>
+      </p:ext>
+    </p:extLst>
+  </p:cSld>
+  <p:clrMapOvr>
+    <a:masterClrMapping/>
+  </p:clrMapOvr>
+</p:sld>
+</file>
+
+<file path=ppt/slides/slide11.xml><?xml version="1.0" encoding="utf-8"?>
+<p:sld xmlns:a="http://schemas.openxmlformats.org/drawingml/2006/main" xmlns:r="http://schemas.openxmlformats.org/officeDocument/2006/relationships" xmlns:p="http://schemas.openxmlformats.org/presentationml/2006/main" show="0">
+  <p:cSld>
+    <p:spTree>
+      <p:nvGrpSpPr>
+        <p:cNvPr id="1" name=""/>
+        <p:cNvGrpSpPr/>
+        <p:nvPr/>
+      </p:nvGrpSpPr>
+      <p:grpSpPr>
+        <a:xfrm>
+          <a:off x="0" y="0"/>
+          <a:ext cx="0" cy="0"/>
+          <a:chOff x="0" y="0"/>
+          <a:chExt cx="0" cy="0"/>
+        </a:xfrm>
+      </p:grpSpPr>
+      <p:pic>
+        <p:nvPicPr>
+          <p:cNvPr id="2" name="Picture 1">
+            <a:extLst>
+              <a:ext uri="{FF2B5EF4-FFF2-40B4-BE49-F238E27FC236}">
+                <a16:creationId xmlns:a16="http://schemas.microsoft.com/office/drawing/2014/main" id="{55DA5337-8C1A-43EE-B06A-A1338611B86D}"/>
+              </a:ext>
+            </a:extLst>
+          </p:cNvPr>
+          <p:cNvPicPr>
+            <a:picLocks noChangeAspect="1"/>
+          </p:cNvPicPr>
+          <p:nvPr/>
+        </p:nvPicPr>
+        <p:blipFill>
+          <a:blip r:embed="rId3"/>
+          <a:stretch>
+            <a:fillRect/>
+          </a:stretch>
+        </p:blipFill>
+        <p:spPr>
+          <a:xfrm>
+            <a:off x="0" y="433524"/>
+            <a:ext cx="12192000" cy="5990951"/>
+          </a:xfrm>
+          <a:prstGeom prst="rect">
+            <a:avLst/>
+          </a:prstGeom>
+        </p:spPr>
+      </p:pic>
+      <p:pic>
+        <p:nvPicPr>
+          <p:cNvPr id="52" name="Picture 51">
+            <a:extLst>
+              <a:ext uri="{FF2B5EF4-FFF2-40B4-BE49-F238E27FC236}">
+                <a16:creationId xmlns:a16="http://schemas.microsoft.com/office/drawing/2014/main" id="{4383D8C3-3700-4A64-BB5F-F580E5B7572D}"/>
+              </a:ext>
+            </a:extLst>
+          </p:cNvPr>
+          <p:cNvPicPr>
+            <a:picLocks noChangeAspect="1"/>
+          </p:cNvPicPr>
+          <p:nvPr/>
+        </p:nvPicPr>
+        <p:blipFill rotWithShape="1">
+          <a:blip r:embed="rId3"/>
+          <a:srcRect l="79498" r="1314"/>
+          <a:stretch/>
+        </p:blipFill>
+        <p:spPr>
+          <a:xfrm>
+            <a:off x="5010509" y="428205"/>
+            <a:ext cx="4303468" cy="5990951"/>
+          </a:xfrm>
+          <a:prstGeom prst="rect">
+            <a:avLst/>
+          </a:prstGeom>
+        </p:spPr>
+      </p:pic>
+      <p:pic>
+        <p:nvPicPr>
+          <p:cNvPr id="55" name="Picture 54">
+            <a:extLst>
+              <a:ext uri="{FF2B5EF4-FFF2-40B4-BE49-F238E27FC236}">
+                <a16:creationId xmlns:a16="http://schemas.microsoft.com/office/drawing/2014/main" id="{1E6026DE-2E81-41C7-AAE2-F205BA3468B5}"/>
+              </a:ext>
+            </a:extLst>
+          </p:cNvPr>
+          <p:cNvPicPr>
+            <a:picLocks noChangeAspect="1"/>
+          </p:cNvPicPr>
+          <p:nvPr/>
+        </p:nvPicPr>
+        <p:blipFill rotWithShape="1">
+          <a:blip r:embed="rId3"/>
+          <a:srcRect l="76405" t="14140" r="1314"/>
+          <a:stretch/>
+        </p:blipFill>
+        <p:spPr>
+          <a:xfrm>
+            <a:off x="733245" y="1278255"/>
+            <a:ext cx="4277264" cy="5143813"/>
+          </a:xfrm>
+          <a:prstGeom prst="rect">
+            <a:avLst/>
+          </a:prstGeom>
+        </p:spPr>
+      </p:pic>
+      <p:sp>
+        <p:nvSpPr>
+          <p:cNvPr id="3" name="TextBox 2">
+            <a:extLst>
+              <a:ext uri="{FF2B5EF4-FFF2-40B4-BE49-F238E27FC236}">
+                <a16:creationId xmlns:a16="http://schemas.microsoft.com/office/drawing/2014/main" id="{93DF9E77-E13B-4D10-8582-23CA36AEC084}"/>
+              </a:ext>
+            </a:extLst>
+          </p:cNvPr>
+          <p:cNvSpPr txBox="1"/>
+          <p:nvPr/>
+        </p:nvSpPr>
+        <p:spPr>
+          <a:xfrm>
+            <a:off x="5010509" y="806715"/>
+            <a:ext cx="2465208" cy="369332"/>
+          </a:xfrm>
+          <a:prstGeom prst="rect">
+            <a:avLst/>
+          </a:prstGeom>
+          <a:noFill/>
+        </p:spPr>
+        <p:txBody>
+          <a:bodyPr wrap="square" rtlCol="0">
+            <a:spAutoFit/>
+          </a:bodyPr>
+          <a:lstStyle/>
+          <a:p>
+            <a:r>
+              <a:rPr lang="en-US" dirty="0">
+                <a:ln w="0"/>
+                <a:solidFill>
+                  <a:schemeClr val="bg1"/>
+                </a:solidFill>
+                <a:effectLst>
+                  <a:reflection blurRad="6350" stA="53000" endA="300" endPos="35500" dir="5400000" sy="-90000" algn="bl" rotWithShape="0"/>
+                </a:effectLst>
+                <a:latin typeface="Arial Rounded MT Bold" panose="020F0704030504030204" pitchFamily="34" charset="0"/>
+                <a:cs typeface="Arial" panose="020B0604020202020204" pitchFamily="34" charset="0"/>
+              </a:rPr>
+              <a:t>Training Portal</a:t>
+            </a:r>
+          </a:p>
+        </p:txBody>
+      </p:sp>
+      <p:sp>
+        <p:nvSpPr>
+          <p:cNvPr id="4" name="TextBox 3">
+            <a:extLst>
+              <a:ext uri="{FF2B5EF4-FFF2-40B4-BE49-F238E27FC236}">
+                <a16:creationId xmlns:a16="http://schemas.microsoft.com/office/drawing/2014/main" id="{8C3C8BE2-3535-4308-8907-39DA19BFD372}"/>
+              </a:ext>
+            </a:extLst>
+          </p:cNvPr>
+          <p:cNvSpPr txBox="1"/>
+          <p:nvPr/>
+        </p:nvSpPr>
+        <p:spPr>
+          <a:xfrm>
+            <a:off x="2678029" y="1249021"/>
+            <a:ext cx="6851351" cy="261610"/>
+          </a:xfrm>
+          <a:prstGeom prst="rect">
+            <a:avLst/>
+          </a:prstGeom>
+          <a:noFill/>
+        </p:spPr>
+        <p:txBody>
+          <a:bodyPr wrap="square" rtlCol="0">
+            <a:spAutoFit/>
+          </a:bodyPr>
+          <a:lstStyle/>
+          <a:p>
+            <a:r>
+              <a:rPr lang="en-US" sz="1050" dirty="0">
+                <a:solidFill>
+                  <a:schemeClr val="bg1"/>
+                </a:solidFill>
+                <a:latin typeface="Arial" panose="020B0604020202020204" pitchFamily="34" charset="0"/>
+                <a:cs typeface="Arial" panose="020B0604020202020204" pitchFamily="34" charset="0"/>
+              </a:rPr>
+              <a:t>Agent Info</a:t>
+            </a:r>
+          </a:p>
+        </p:txBody>
+      </p:sp>
+      <p:sp>
+        <p:nvSpPr>
+          <p:cNvPr id="6" name="Rectangle 5">
+            <a:extLst>
+              <a:ext uri="{FF2B5EF4-FFF2-40B4-BE49-F238E27FC236}">
+                <a16:creationId xmlns:a16="http://schemas.microsoft.com/office/drawing/2014/main" id="{8119859D-0D49-43C9-AB36-78361B6D9CAC}"/>
+              </a:ext>
+            </a:extLst>
+          </p:cNvPr>
+          <p:cNvSpPr/>
+          <p:nvPr/>
+        </p:nvSpPr>
+        <p:spPr>
+          <a:xfrm>
+            <a:off x="2907102" y="2056199"/>
+            <a:ext cx="7706623" cy="4362957"/>
+          </a:xfrm>
+          <a:prstGeom prst="rect">
+            <a:avLst/>
+          </a:prstGeom>
+          <a:noFill/>
+          <a:ln>
+            <a:solidFill>
+              <a:schemeClr val="bg1">
+                <a:lumMod val="75000"/>
+              </a:schemeClr>
+            </a:solidFill>
+          </a:ln>
+        </p:spPr>
+        <p:style>
+          <a:lnRef idx="2">
+            <a:schemeClr val="accent1">
+              <a:shade val="50000"/>
+            </a:schemeClr>
+          </a:lnRef>
+          <a:fillRef idx="1">
+            <a:schemeClr val="accent1"/>
+          </a:fillRef>
+          <a:effectRef idx="0">
+            <a:schemeClr val="accent1"/>
+          </a:effectRef>
+          <a:fontRef idx="minor">
+            <a:schemeClr val="lt1"/>
+          </a:fontRef>
+        </p:style>
+        <p:txBody>
+          <a:bodyPr rtlCol="0" anchor="ctr"/>
+          <a:lstStyle/>
+          <a:p>
+            <a:pPr algn="ctr"/>
+            <a:endParaRPr lang="en-US"/>
+          </a:p>
+        </p:txBody>
+      </p:sp>
+      <p:cxnSp>
+        <p:nvCxnSpPr>
+          <p:cNvPr id="8" name="Straight Connector 7">
+            <a:extLst>
+              <a:ext uri="{FF2B5EF4-FFF2-40B4-BE49-F238E27FC236}">
+                <a16:creationId xmlns:a16="http://schemas.microsoft.com/office/drawing/2014/main" id="{053EE87B-1459-4E01-9340-6E5A8B67AD70}"/>
+              </a:ext>
+            </a:extLst>
+          </p:cNvPr>
+          <p:cNvCxnSpPr/>
+          <p:nvPr/>
+        </p:nvCxnSpPr>
+        <p:spPr>
+          <a:xfrm>
+            <a:off x="0" y="6419156"/>
+            <a:ext cx="12192000" cy="0"/>
+          </a:xfrm>
+          <a:prstGeom prst="line">
+            <a:avLst/>
+          </a:prstGeom>
+          <a:ln w="19050">
+            <a:solidFill>
+              <a:schemeClr val="bg1">
+                <a:lumMod val="75000"/>
+              </a:schemeClr>
+            </a:solidFill>
+          </a:ln>
+        </p:spPr>
+        <p:style>
+          <a:lnRef idx="1">
+            <a:schemeClr val="accent1"/>
+          </a:lnRef>
+          <a:fillRef idx="0">
+            <a:schemeClr val="accent1"/>
+          </a:fillRef>
+          <a:effectRef idx="0">
+            <a:schemeClr val="accent1"/>
+          </a:effectRef>
+          <a:fontRef idx="minor">
+            <a:schemeClr val="tx1"/>
+          </a:fontRef>
+        </p:style>
+      </p:cxnSp>
+      <p:cxnSp>
+        <p:nvCxnSpPr>
+          <p:cNvPr id="19" name="Straight Connector 18">
+            <a:extLst>
+              <a:ext uri="{FF2B5EF4-FFF2-40B4-BE49-F238E27FC236}">
+                <a16:creationId xmlns:a16="http://schemas.microsoft.com/office/drawing/2014/main" id="{3D76C11C-D2A9-40D7-8AA9-56299AFCFC7F}"/>
+              </a:ext>
+            </a:extLst>
+          </p:cNvPr>
+          <p:cNvCxnSpPr>
+            <a:cxnSpLocks/>
+          </p:cNvCxnSpPr>
+          <p:nvPr/>
+        </p:nvCxnSpPr>
+        <p:spPr>
+          <a:xfrm>
+            <a:off x="3719209" y="1874075"/>
+            <a:ext cx="0" cy="137160"/>
+          </a:xfrm>
+          <a:prstGeom prst="line">
+            <a:avLst/>
+          </a:prstGeom>
+        </p:spPr>
+        <p:style>
+          <a:lnRef idx="1">
+            <a:schemeClr val="dk1"/>
+          </a:lnRef>
+          <a:fillRef idx="0">
+            <a:schemeClr val="dk1"/>
+          </a:fillRef>
+          <a:effectRef idx="0">
+            <a:schemeClr val="dk1"/>
+          </a:effectRef>
+          <a:fontRef idx="minor">
+            <a:schemeClr val="tx1"/>
+          </a:fontRef>
+        </p:style>
+      </p:cxnSp>
+      <p:sp>
+        <p:nvSpPr>
+          <p:cNvPr id="48" name="TextBox 47">
+            <a:extLst>
+              <a:ext uri="{FF2B5EF4-FFF2-40B4-BE49-F238E27FC236}">
+                <a16:creationId xmlns:a16="http://schemas.microsoft.com/office/drawing/2014/main" id="{C8B37CE4-0EBD-4444-8D2B-6C4A65B9279C}"/>
+              </a:ext>
+            </a:extLst>
+          </p:cNvPr>
+          <p:cNvSpPr txBox="1"/>
+          <p:nvPr/>
+        </p:nvSpPr>
+        <p:spPr>
+          <a:xfrm>
+            <a:off x="0" y="0"/>
+            <a:ext cx="12192000" cy="369332"/>
+          </a:xfrm>
+          <a:prstGeom prst="rect">
+            <a:avLst/>
+          </a:prstGeom>
+          <a:noFill/>
+        </p:spPr>
+        <p:txBody>
+          <a:bodyPr wrap="square" rtlCol="0">
+            <a:spAutoFit/>
+          </a:bodyPr>
+          <a:lstStyle/>
+          <a:p>
+            <a:pPr algn="ctr"/>
+            <a:r>
+              <a:rPr lang="en-US" b="1" i="1" dirty="0">
+                <a:solidFill>
+                  <a:srgbClr val="FF0000"/>
+                </a:solidFill>
+                <a:latin typeface="Arial" panose="020B0604020202020204" pitchFamily="34" charset="0"/>
+                <a:cs typeface="Arial" panose="020B0604020202020204" pitchFamily="34" charset="0"/>
+              </a:rPr>
+              <a:t>Shown Below is Special Agent: Destination After Login, </a:t>
+            </a:r>
+          </a:p>
+        </p:txBody>
+      </p:sp>
+      <p:sp>
+        <p:nvSpPr>
+          <p:cNvPr id="69" name="TextBox 68">
+            <a:extLst>
+              <a:ext uri="{FF2B5EF4-FFF2-40B4-BE49-F238E27FC236}">
+                <a16:creationId xmlns:a16="http://schemas.microsoft.com/office/drawing/2014/main" id="{6029091A-B23F-7145-BCD2-8CC71993A818}"/>
+              </a:ext>
+            </a:extLst>
+          </p:cNvPr>
+          <p:cNvSpPr txBox="1"/>
+          <p:nvPr/>
+        </p:nvSpPr>
+        <p:spPr>
+          <a:xfrm>
+            <a:off x="7113916" y="806715"/>
+            <a:ext cx="3925893" cy="369332"/>
+          </a:xfrm>
+          <a:prstGeom prst="rect">
+            <a:avLst/>
+          </a:prstGeom>
+          <a:noFill/>
+        </p:spPr>
+        <p:txBody>
+          <a:bodyPr wrap="square" rtlCol="0">
+            <a:spAutoFit/>
+          </a:bodyPr>
+          <a:lstStyle/>
+          <a:p>
+            <a:r>
+              <a:rPr lang="en-US" dirty="0">
+                <a:ln w="0"/>
+                <a:solidFill>
+                  <a:schemeClr val="bg1"/>
+                </a:solidFill>
+                <a:effectLst>
+                  <a:reflection blurRad="6350" stA="53000" endA="300" endPos="35500" dir="5400000" sy="-90000" algn="bl" rotWithShape="0"/>
+                </a:effectLst>
+                <a:latin typeface="Arial Rounded MT Bold" panose="020F0704030504030204" pitchFamily="34" charset="0"/>
+                <a:cs typeface="Arial" panose="020B0604020202020204" pitchFamily="34" charset="0"/>
+              </a:rPr>
+              <a:t>Homeland Security Investigations</a:t>
+            </a:r>
+          </a:p>
+        </p:txBody>
+      </p:sp>
+      <p:sp>
+        <p:nvSpPr>
+          <p:cNvPr id="50" name="Rectangle 49">
+            <a:extLst>
+              <a:ext uri="{FF2B5EF4-FFF2-40B4-BE49-F238E27FC236}">
+                <a16:creationId xmlns:a16="http://schemas.microsoft.com/office/drawing/2014/main" id="{CF449E2C-7EAE-A849-B32E-4E75EE7A8FA9}"/>
+              </a:ext>
+            </a:extLst>
+          </p:cNvPr>
+          <p:cNvSpPr/>
+          <p:nvPr/>
+        </p:nvSpPr>
+        <p:spPr>
+          <a:xfrm>
+            <a:off x="3485886" y="1289509"/>
+            <a:ext cx="1795182" cy="209279"/>
+          </a:xfrm>
+          <a:prstGeom prst="rect">
+            <a:avLst/>
+          </a:prstGeom>
+          <a:solidFill>
+            <a:schemeClr val="bg1"/>
+          </a:solidFill>
+          <a:ln>
+            <a:noFill/>
+          </a:ln>
+        </p:spPr>
+        <p:style>
+          <a:lnRef idx="2">
+            <a:schemeClr val="accent1">
+              <a:shade val="50000"/>
+            </a:schemeClr>
+          </a:lnRef>
+          <a:fillRef idx="1">
+            <a:schemeClr val="accent1"/>
+          </a:fillRef>
+          <a:effectRef idx="0">
+            <a:schemeClr val="accent1"/>
+          </a:effectRef>
+          <a:fontRef idx="minor">
+            <a:schemeClr val="lt1"/>
+          </a:fontRef>
+        </p:style>
+        <p:txBody>
+          <a:bodyPr rtlCol="0" anchor="ctr"/>
+          <a:lstStyle/>
+          <a:p>
+            <a:pPr algn="ctr"/>
+            <a:r>
+              <a:rPr lang="en-US" sz="1050" b="1" dirty="0">
+                <a:solidFill>
+                  <a:srgbClr val="002B57"/>
+                </a:solidFill>
+                <a:latin typeface="Arial" panose="020B0604020202020204" pitchFamily="34" charset="0"/>
+                <a:cs typeface="Arial" panose="020B0604020202020204" pitchFamily="34" charset="0"/>
+              </a:rPr>
+              <a:t>System Administration</a:t>
+            </a:r>
+          </a:p>
+        </p:txBody>
+      </p:sp>
+      <p:graphicFrame>
+        <p:nvGraphicFramePr>
+          <p:cNvPr id="7" name="Table 6">
+            <a:extLst>
+              <a:ext uri="{FF2B5EF4-FFF2-40B4-BE49-F238E27FC236}">
+                <a16:creationId xmlns:a16="http://schemas.microsoft.com/office/drawing/2014/main" id="{10FBAC9E-7669-FC49-96E7-C11258D2EF5E}"/>
+              </a:ext>
+            </a:extLst>
+          </p:cNvPr>
+          <p:cNvGraphicFramePr>
+            <a:graphicFrameLocks noGrp="1"/>
+          </p:cNvGraphicFramePr>
+          <p:nvPr/>
+        </p:nvGraphicFramePr>
+        <p:xfrm>
+          <a:off x="2911809" y="2344176"/>
+          <a:ext cx="6319277" cy="1531884"/>
+        </p:xfrm>
+        <a:graphic>
+          <a:graphicData uri="http://schemas.openxmlformats.org/drawingml/2006/table">
+            <a:tbl>
+              <a:tblPr firstRow="1" bandRow="1">
+                <a:tableStyleId>{5940675A-B579-460E-94D1-54222C63F5DA}</a:tableStyleId>
+              </a:tblPr>
+              <a:tblGrid>
+                <a:gridCol w="1579819">
+                  <a:extLst>
+                    <a:ext uri="{9D8B030D-6E8A-4147-A177-3AD203B41FA5}">
+                      <a16:colId xmlns:a16="http://schemas.microsoft.com/office/drawing/2014/main" val="3890602391"/>
+                    </a:ext>
+                  </a:extLst>
+                </a:gridCol>
+                <a:gridCol w="1841772">
+                  <a:extLst>
+                    <a:ext uri="{9D8B030D-6E8A-4147-A177-3AD203B41FA5}">
+                      <a16:colId xmlns:a16="http://schemas.microsoft.com/office/drawing/2014/main" val="2829518601"/>
+                    </a:ext>
+                  </a:extLst>
+                </a:gridCol>
+                <a:gridCol w="1722029">
+                  <a:extLst>
+                    <a:ext uri="{9D8B030D-6E8A-4147-A177-3AD203B41FA5}">
+                      <a16:colId xmlns:a16="http://schemas.microsoft.com/office/drawing/2014/main" val="1262064417"/>
+                    </a:ext>
+                  </a:extLst>
+                </a:gridCol>
+                <a:gridCol w="1175657">
+                  <a:extLst>
+                    <a:ext uri="{9D8B030D-6E8A-4147-A177-3AD203B41FA5}">
+                      <a16:colId xmlns:a16="http://schemas.microsoft.com/office/drawing/2014/main" val="2405270592"/>
+                    </a:ext>
+                  </a:extLst>
+                </a:gridCol>
+              </a:tblGrid>
+              <a:tr h="280101">
+                <a:tc>
+                  <a:txBody>
+                    <a:bodyPr/>
+                    <a:lstStyle/>
+                    <a:p>
+                      <a:r>
+                        <a:rPr lang="en-US" sz="1050" b="1" dirty="0">
+                          <a:solidFill>
+                            <a:schemeClr val="bg1"/>
+                          </a:solidFill>
+                          <a:latin typeface="Arial" panose="020B0604020202020204" pitchFamily="34" charset="0"/>
+                          <a:cs typeface="Arial" panose="020B0604020202020204" pitchFamily="34" charset="0"/>
+                        </a:rPr>
+                        <a:t>Category</a:t>
+                      </a:r>
+                    </a:p>
+                  </a:txBody>
+                  <a:tcPr>
+                    <a:solidFill>
+                      <a:srgbClr val="C00000">
+                        <a:alpha val="50196"/>
+                      </a:srgbClr>
+                    </a:solidFill>
+                  </a:tcPr>
+                </a:tc>
+                <a:tc>
+                  <a:txBody>
+                    <a:bodyPr/>
+                    <a:lstStyle/>
+                    <a:p>
+                      <a:r>
+                        <a:rPr lang="en-US" sz="1050" b="1" dirty="0">
+                          <a:solidFill>
+                            <a:schemeClr val="bg1"/>
+                          </a:solidFill>
+                          <a:latin typeface="Arial" panose="020B0604020202020204" pitchFamily="34" charset="0"/>
+                          <a:cs typeface="Arial" panose="020B0604020202020204" pitchFamily="34" charset="0"/>
+                        </a:rPr>
+                        <a:t>Type</a:t>
+                      </a:r>
+                    </a:p>
+                  </a:txBody>
+                  <a:tcPr>
+                    <a:solidFill>
+                      <a:srgbClr val="C00000">
+                        <a:alpha val="50196"/>
+                      </a:srgbClr>
+                    </a:solidFill>
+                  </a:tcPr>
+                </a:tc>
+                <a:tc>
+                  <a:txBody>
+                    <a:bodyPr/>
+                    <a:lstStyle/>
+                    <a:p>
+                      <a:r>
+                        <a:rPr lang="en-US" sz="1050" b="1" dirty="0">
+                          <a:solidFill>
+                            <a:schemeClr val="bg1"/>
+                          </a:solidFill>
+                          <a:latin typeface="Arial" panose="020B0604020202020204" pitchFamily="34" charset="0"/>
+                          <a:cs typeface="Arial" panose="020B0604020202020204" pitchFamily="34" charset="0"/>
+                        </a:rPr>
+                        <a:t>Training</a:t>
+                      </a:r>
+                    </a:p>
+                  </a:txBody>
+                  <a:tcPr>
+                    <a:solidFill>
+                      <a:srgbClr val="C00000">
+                        <a:alpha val="50196"/>
+                      </a:srgbClr>
+                    </a:solidFill>
+                  </a:tcPr>
+                </a:tc>
+                <a:tc>
+                  <a:txBody>
+                    <a:bodyPr/>
+                    <a:lstStyle/>
+                    <a:p>
+                      <a:r>
+                        <a:rPr lang="en-US" sz="1050" b="1" dirty="0">
+                          <a:solidFill>
+                            <a:schemeClr val="bg1"/>
+                          </a:solidFill>
+                          <a:latin typeface="Arial" panose="020B0604020202020204" pitchFamily="34" charset="0"/>
+                          <a:cs typeface="Arial" panose="020B0604020202020204" pitchFamily="34" charset="0"/>
+                        </a:rPr>
+                        <a:t>(M)</a:t>
+                      </a:r>
+                      <a:r>
+                        <a:rPr lang="en-US" sz="1050" b="1" dirty="0" err="1">
+                          <a:solidFill>
+                            <a:schemeClr val="bg1"/>
+                          </a:solidFill>
+                          <a:latin typeface="Arial" panose="020B0604020202020204" pitchFamily="34" charset="0"/>
+                          <a:cs typeface="Arial" panose="020B0604020202020204" pitchFamily="34" charset="0"/>
+                        </a:rPr>
+                        <a:t>andatory</a:t>
+                      </a:r>
+                      <a:br>
+                        <a:rPr lang="en-US" sz="1050" b="1" dirty="0">
+                          <a:solidFill>
+                            <a:schemeClr val="bg1"/>
+                          </a:solidFill>
+                          <a:latin typeface="Arial" panose="020B0604020202020204" pitchFamily="34" charset="0"/>
+                          <a:cs typeface="Arial" panose="020B0604020202020204" pitchFamily="34" charset="0"/>
+                        </a:rPr>
+                      </a:br>
+                      <a:r>
+                        <a:rPr lang="en-US" sz="1050" b="1" dirty="0">
+                          <a:solidFill>
+                            <a:schemeClr val="bg1"/>
+                          </a:solidFill>
+                          <a:latin typeface="Arial" panose="020B0604020202020204" pitchFamily="34" charset="0"/>
+                          <a:cs typeface="Arial" panose="020B0604020202020204" pitchFamily="34" charset="0"/>
+                        </a:rPr>
+                        <a:t>(D)</a:t>
+                      </a:r>
+                      <a:r>
+                        <a:rPr lang="en-US" sz="1050" b="1" dirty="0" err="1">
+                          <a:solidFill>
+                            <a:schemeClr val="bg1"/>
+                          </a:solidFill>
+                          <a:latin typeface="Arial" panose="020B0604020202020204" pitchFamily="34" charset="0"/>
+                          <a:cs typeface="Arial" panose="020B0604020202020204" pitchFamily="34" charset="0"/>
+                        </a:rPr>
+                        <a:t>iscretionary</a:t>
+                      </a:r>
+                      <a:endParaRPr lang="en-US" sz="1050" b="1" dirty="0">
+                        <a:solidFill>
+                          <a:schemeClr val="bg1"/>
+                        </a:solidFill>
+                        <a:latin typeface="Arial" panose="020B0604020202020204" pitchFamily="34" charset="0"/>
+                        <a:cs typeface="Arial" panose="020B0604020202020204" pitchFamily="34" charset="0"/>
+                      </a:endParaRPr>
+                    </a:p>
+                  </a:txBody>
+                  <a:tcPr>
+                    <a:solidFill>
+                      <a:srgbClr val="C00000">
+                        <a:alpha val="50196"/>
+                      </a:srgbClr>
+                    </a:solidFill>
+                  </a:tcPr>
+                </a:tc>
+                <a:extLst>
+                  <a:ext uri="{0D108BD9-81ED-4DB2-BD59-A6C34878D82A}">
+                    <a16:rowId xmlns:a16="http://schemas.microsoft.com/office/drawing/2014/main" val="993610529"/>
+                  </a:ext>
+                </a:extLst>
+              </a:tr>
+              <a:tr h="280101">
+                <a:tc>
+                  <a:txBody>
+                    <a:bodyPr/>
+                    <a:lstStyle/>
+                    <a:p>
+                      <a:r>
+                        <a:rPr lang="en-US" sz="1050" dirty="0">
+                          <a:latin typeface="Arial" panose="020B0604020202020204" pitchFamily="34" charset="0"/>
+                          <a:cs typeface="Arial" panose="020B0604020202020204" pitchFamily="34" charset="0"/>
+                        </a:rPr>
+                        <a:t>Commercial License</a:t>
+                      </a:r>
+                    </a:p>
+                  </a:txBody>
+                  <a:tcPr/>
+                </a:tc>
+                <a:tc>
+                  <a:txBody>
+                    <a:bodyPr/>
+                    <a:lstStyle/>
+                    <a:p>
+                      <a:r>
+                        <a:rPr lang="en-US" sz="1050" dirty="0">
+                          <a:latin typeface="Arial" panose="020B0604020202020204" pitchFamily="34" charset="0"/>
+                          <a:cs typeface="Arial" panose="020B0604020202020204" pitchFamily="34" charset="0"/>
+                        </a:rPr>
+                        <a:t>Comm. Driver’s License</a:t>
+                      </a:r>
+                    </a:p>
+                  </a:txBody>
+                  <a:tcPr/>
+                </a:tc>
+                <a:tc>
+                  <a:txBody>
+                    <a:bodyPr/>
+                    <a:lstStyle/>
+                    <a:p>
+                      <a:r>
+                        <a:rPr lang="en-US" sz="1050" dirty="0">
+                          <a:latin typeface="Arial" panose="020B0604020202020204" pitchFamily="34" charset="0"/>
+                          <a:cs typeface="Arial" panose="020B0604020202020204" pitchFamily="34" charset="0"/>
+                        </a:rPr>
+                        <a:t>Comm. Driver’s Training</a:t>
+                      </a:r>
+                    </a:p>
+                  </a:txBody>
+                  <a:tcPr/>
+                </a:tc>
+                <a:tc>
+                  <a:txBody>
+                    <a:bodyPr/>
+                    <a:lstStyle/>
+                    <a:p>
+                      <a:r>
+                        <a:rPr lang="en-US" sz="1050" dirty="0">
+                          <a:latin typeface="Arial" panose="020B0604020202020204" pitchFamily="34" charset="0"/>
+                          <a:cs typeface="Arial" panose="020B0604020202020204" pitchFamily="34" charset="0"/>
+                        </a:rPr>
+                        <a:t>D</a:t>
+                      </a:r>
+                    </a:p>
+                  </a:txBody>
+                  <a:tcPr/>
+                </a:tc>
+                <a:extLst>
+                  <a:ext uri="{0D108BD9-81ED-4DB2-BD59-A6C34878D82A}">
+                    <a16:rowId xmlns:a16="http://schemas.microsoft.com/office/drawing/2014/main" val="457382462"/>
+                  </a:ext>
+                </a:extLst>
+              </a:tr>
+              <a:tr h="280101">
+                <a:tc>
+                  <a:txBody>
+                    <a:bodyPr/>
+                    <a:lstStyle/>
+                    <a:p>
+                      <a:r>
+                        <a:rPr lang="en-US" sz="1050" dirty="0">
+                          <a:latin typeface="Arial" panose="020B0604020202020204" pitchFamily="34" charset="0"/>
+                          <a:cs typeface="Arial" panose="020B0604020202020204" pitchFamily="34" charset="0"/>
+                        </a:rPr>
+                        <a:t>Commercial License</a:t>
+                      </a:r>
+                    </a:p>
+                  </a:txBody>
+                  <a:tcPr/>
+                </a:tc>
+                <a:tc>
+                  <a:txBody>
+                    <a:bodyPr/>
+                    <a:lstStyle/>
+                    <a:p>
+                      <a:r>
+                        <a:rPr lang="en-US" sz="1050" dirty="0">
+                          <a:latin typeface="Arial" panose="020B0604020202020204" pitchFamily="34" charset="0"/>
+                          <a:cs typeface="Arial" panose="020B0604020202020204" pitchFamily="34" charset="0"/>
+                        </a:rPr>
+                        <a:t>Pilot’s License</a:t>
+                      </a:r>
+                    </a:p>
+                  </a:txBody>
+                  <a:tcPr/>
+                </a:tc>
+                <a:tc>
+                  <a:txBody>
+                    <a:bodyPr/>
+                    <a:lstStyle/>
+                    <a:p>
+                      <a:pPr marL="0" marR="0" lvl="0" indent="0" algn="l" defTabSz="914400" rtl="0" eaLnBrk="1" fontAlgn="auto" latinLnBrk="0" hangingPunct="1">
+                        <a:lnSpc>
+                          <a:spcPct val="100000"/>
+                        </a:lnSpc>
+                        <a:spcBef>
+                          <a:spcPts val="0"/>
+                        </a:spcBef>
+                        <a:spcAft>
+                          <a:spcPts val="0"/>
+                        </a:spcAft>
+                        <a:buClrTx/>
+                        <a:buSzTx/>
+                        <a:buFontTx/>
+                        <a:buNone/>
+                        <a:tabLst/>
+                        <a:defRPr/>
+                      </a:pPr>
+                      <a:r>
+                        <a:rPr lang="en-US" sz="1050" dirty="0">
+                          <a:latin typeface="Arial" panose="020B0604020202020204" pitchFamily="34" charset="0"/>
+                          <a:cs typeface="Arial" panose="020B0604020202020204" pitchFamily="34" charset="0"/>
+                        </a:rPr>
+                        <a:t>Comm. Pilot’s License</a:t>
+                      </a:r>
+                    </a:p>
+                  </a:txBody>
+                  <a:tcPr/>
+                </a:tc>
+                <a:tc>
+                  <a:txBody>
+                    <a:bodyPr/>
+                    <a:lstStyle/>
+                    <a:p>
+                      <a:r>
+                        <a:rPr lang="en-US" sz="1050" dirty="0">
+                          <a:latin typeface="Arial" panose="020B0604020202020204" pitchFamily="34" charset="0"/>
+                          <a:cs typeface="Arial" panose="020B0604020202020204" pitchFamily="34" charset="0"/>
+                        </a:rPr>
+                        <a:t>D</a:t>
+                      </a:r>
+                    </a:p>
+                  </a:txBody>
+                  <a:tcPr/>
+                </a:tc>
+                <a:extLst>
+                  <a:ext uri="{0D108BD9-81ED-4DB2-BD59-A6C34878D82A}">
+                    <a16:rowId xmlns:a16="http://schemas.microsoft.com/office/drawing/2014/main" val="255712544"/>
+                  </a:ext>
+                </a:extLst>
+              </a:tr>
+              <a:tr h="280101">
+                <a:tc>
+                  <a:txBody>
+                    <a:bodyPr/>
+                    <a:lstStyle/>
+                    <a:p>
+                      <a:r>
+                        <a:rPr lang="en-US" sz="1050" dirty="0">
+                          <a:latin typeface="Arial" panose="020B0604020202020204" pitchFamily="34" charset="0"/>
+                          <a:cs typeface="Arial" panose="020B0604020202020204" pitchFamily="34" charset="0"/>
+                        </a:rPr>
+                        <a:t>Language</a:t>
+                      </a:r>
+                    </a:p>
+                  </a:txBody>
+                  <a:tcPr/>
+                </a:tc>
+                <a:tc>
+                  <a:txBody>
+                    <a:bodyPr/>
+                    <a:lstStyle/>
+                    <a:p>
+                      <a:r>
+                        <a:rPr lang="en-US" sz="1050" dirty="0">
+                          <a:latin typeface="Arial" panose="020B0604020202020204" pitchFamily="34" charset="0"/>
+                          <a:cs typeface="Arial" panose="020B0604020202020204" pitchFamily="34" charset="0"/>
+                        </a:rPr>
+                        <a:t>Spanish</a:t>
+                      </a:r>
+                    </a:p>
+                  </a:txBody>
+                  <a:tcPr/>
+                </a:tc>
+                <a:tc>
+                  <a:txBody>
+                    <a:bodyPr/>
+                    <a:lstStyle/>
+                    <a:p>
+                      <a:r>
+                        <a:rPr lang="en-US" sz="1050" dirty="0">
+                          <a:latin typeface="Arial" panose="020B0604020202020204" pitchFamily="34" charset="0"/>
+                          <a:cs typeface="Arial" panose="020B0604020202020204" pitchFamily="34" charset="0"/>
+                        </a:rPr>
+                        <a:t>Spanish Training</a:t>
+                      </a:r>
+                    </a:p>
+                  </a:txBody>
+                  <a:tcPr/>
+                </a:tc>
+                <a:tc>
+                  <a:txBody>
+                    <a:bodyPr/>
+                    <a:lstStyle/>
+                    <a:p>
+                      <a:r>
+                        <a:rPr lang="en-US" sz="1050" dirty="0">
+                          <a:latin typeface="Arial" panose="020B0604020202020204" pitchFamily="34" charset="0"/>
+                          <a:cs typeface="Arial" panose="020B0604020202020204" pitchFamily="34" charset="0"/>
+                        </a:rPr>
+                        <a:t>D</a:t>
+                      </a:r>
+                    </a:p>
+                  </a:txBody>
+                  <a:tcPr/>
+                </a:tc>
+                <a:extLst>
+                  <a:ext uri="{0D108BD9-81ED-4DB2-BD59-A6C34878D82A}">
+                    <a16:rowId xmlns:a16="http://schemas.microsoft.com/office/drawing/2014/main" val="653651688"/>
+                  </a:ext>
+                </a:extLst>
+              </a:tr>
+              <a:tr h="280101">
+                <a:tc>
+                  <a:txBody>
+                    <a:bodyPr/>
+                    <a:lstStyle/>
+                    <a:p>
+                      <a:r>
+                        <a:rPr lang="en-US" sz="1050" dirty="0">
+                          <a:latin typeface="Arial" panose="020B0604020202020204" pitchFamily="34" charset="0"/>
+                          <a:cs typeface="Arial" panose="020B0604020202020204" pitchFamily="34" charset="0"/>
+                        </a:rPr>
+                        <a:t>Firearms</a:t>
+                      </a:r>
+                    </a:p>
+                  </a:txBody>
+                  <a:tcPr/>
+                </a:tc>
+                <a:tc>
+                  <a:txBody>
+                    <a:bodyPr/>
+                    <a:lstStyle/>
+                    <a:p>
+                      <a:r>
+                        <a:rPr lang="en-US" sz="1050" dirty="0">
+                          <a:latin typeface="Arial" panose="020B0604020202020204" pitchFamily="34" charset="0"/>
+                          <a:cs typeface="Arial" panose="020B0604020202020204" pitchFamily="34" charset="0"/>
+                        </a:rPr>
+                        <a:t>Glock 40</a:t>
+                      </a:r>
+                    </a:p>
+                  </a:txBody>
+                  <a:tcPr/>
+                </a:tc>
+                <a:tc>
+                  <a:txBody>
+                    <a:bodyPr/>
+                    <a:lstStyle/>
+                    <a:p>
+                      <a:r>
+                        <a:rPr lang="en-US" sz="1050" dirty="0">
+                          <a:latin typeface="Arial" panose="020B0604020202020204" pitchFamily="34" charset="0"/>
+                          <a:cs typeface="Arial" panose="020B0604020202020204" pitchFamily="34" charset="0"/>
+                        </a:rPr>
+                        <a:t>Pistol </a:t>
+                      </a:r>
+                      <a:r>
+                        <a:rPr lang="en-US" sz="1050" dirty="0" err="1">
+                          <a:latin typeface="Arial" panose="020B0604020202020204" pitchFamily="34" charset="0"/>
+                          <a:cs typeface="Arial" panose="020B0604020202020204" pitchFamily="34" charset="0"/>
+                        </a:rPr>
+                        <a:t>Qual</a:t>
+                      </a:r>
+                      <a:r>
+                        <a:rPr lang="en-US" sz="1050" dirty="0">
+                          <a:latin typeface="Arial" panose="020B0604020202020204" pitchFamily="34" charset="0"/>
+                          <a:cs typeface="Arial" panose="020B0604020202020204" pitchFamily="34" charset="0"/>
+                        </a:rPr>
+                        <a:t> Course</a:t>
+                      </a:r>
+                    </a:p>
+                  </a:txBody>
+                  <a:tcPr/>
+                </a:tc>
+                <a:tc>
+                  <a:txBody>
+                    <a:bodyPr/>
+                    <a:lstStyle/>
+                    <a:p>
+                      <a:r>
+                        <a:rPr lang="en-US" sz="1050" dirty="0">
+                          <a:latin typeface="Arial" panose="020B0604020202020204" pitchFamily="34" charset="0"/>
+                          <a:cs typeface="Arial" panose="020B0604020202020204" pitchFamily="34" charset="0"/>
+                        </a:rPr>
+                        <a:t>M</a:t>
+                      </a:r>
+                    </a:p>
+                  </a:txBody>
+                  <a:tcPr/>
+                </a:tc>
+                <a:extLst>
+                  <a:ext uri="{0D108BD9-81ED-4DB2-BD59-A6C34878D82A}">
+                    <a16:rowId xmlns:a16="http://schemas.microsoft.com/office/drawing/2014/main" val="3876313545"/>
+                  </a:ext>
+                </a:extLst>
+              </a:tr>
+            </a:tbl>
+          </a:graphicData>
+        </a:graphic>
+      </p:graphicFrame>
+      <p:sp>
+        <p:nvSpPr>
+          <p:cNvPr id="56" name="TextBox 55">
+            <a:extLst>
+              <a:ext uri="{FF2B5EF4-FFF2-40B4-BE49-F238E27FC236}">
+                <a16:creationId xmlns:a16="http://schemas.microsoft.com/office/drawing/2014/main" id="{B1635E49-9708-0D40-9E24-2F90F39452AC}"/>
+              </a:ext>
+            </a:extLst>
+          </p:cNvPr>
+          <p:cNvSpPr txBox="1"/>
+          <p:nvPr/>
+        </p:nvSpPr>
+        <p:spPr>
+          <a:xfrm>
+            <a:off x="2871877" y="2075427"/>
+            <a:ext cx="1712548" cy="230832"/>
+          </a:xfrm>
+          <a:prstGeom prst="rect">
+            <a:avLst/>
+          </a:prstGeom>
+          <a:noFill/>
+        </p:spPr>
+        <p:txBody>
+          <a:bodyPr wrap="square" rtlCol="0">
+            <a:spAutoFit/>
+          </a:bodyPr>
+          <a:lstStyle/>
+          <a:p>
+            <a:r>
+              <a:rPr lang="en-US" sz="900" b="1" dirty="0">
+                <a:solidFill>
+                  <a:srgbClr val="0070C0"/>
+                </a:solidFill>
+                <a:latin typeface="Arial" panose="020B0604020202020204" pitchFamily="34" charset="0"/>
+                <a:cs typeface="Arial" panose="020B0604020202020204" pitchFamily="34" charset="0"/>
+              </a:rPr>
+              <a:t>Edit Skills or Training</a:t>
+            </a:r>
+          </a:p>
+        </p:txBody>
+      </p:sp>
+    </p:spTree>
+    <p:extLst>
+      <p:ext uri="{BB962C8B-B14F-4D97-AF65-F5344CB8AC3E}">
+        <p14:creationId xmlns:p14="http://schemas.microsoft.com/office/powerpoint/2010/main" val="4165720417"/>
       </p:ext>
     </p:extLst>
   </p:cSld>
